--- a/M4/Präsentation/Abschlusspräsentation.pptx
+++ b/M4/Präsentation/Abschlusspräsentation.pptx
@@ -4248,43 +4248,104 @@
       </p:sp>
       <p:pic>
         <p:nvPicPr>
-          <p:cNvPr id="2050" name="Picture 2" descr="Web Design GIF"/>
+          <p:cNvPr id="3" name="Picture 2">
+            <a:extLst>
+              <a:ext uri="{FF2B5EF4-FFF2-40B4-BE49-F238E27FC236}">
+                <a16:creationId xmlns:a16="http://schemas.microsoft.com/office/drawing/2014/main" id="{E313EB8B-1D2A-43A6-832D-58FC50690B91}"/>
+              </a:ext>
+            </a:extLst>
+          </p:cNvPr>
           <p:cNvPicPr>
-            <a:picLocks noChangeAspect="1" noChangeArrowheads="1" noCrop="1"/>
+            <a:picLocks noChangeAspect="1"/>
           </p:cNvPicPr>
           <p:nvPr/>
         </p:nvPicPr>
         <p:blipFill>
-          <a:blip r:embed="rId3">
+          <a:blip r:embed="rId3" cstate="print">
             <a:extLst>
               <a:ext uri="{28A0092B-C50C-407E-A947-70E740481C1C}">
                 <a14:useLocalDpi xmlns:a14="http://schemas.microsoft.com/office/drawing/2010/main" val="0"/>
               </a:ext>
             </a:extLst>
           </a:blip>
-          <a:srcRect/>
           <a:stretch>
             <a:fillRect/>
           </a:stretch>
         </p:blipFill>
-        <p:spPr bwMode="auto">
+        <p:spPr>
           <a:xfrm>
-            <a:off x="2253013" y="765026"/>
-            <a:ext cx="7288778" cy="5466584"/>
+            <a:off x="477721" y="601448"/>
+            <a:ext cx="7721016" cy="5719041"/>
           </a:xfrm>
-          <a:prstGeom prst="rect">
+          <a:prstGeom prst="roundRect">
+            <a:avLst>
+              <a:gd name="adj" fmla="val 16667"/>
+            </a:avLst>
+          </a:prstGeom>
+          <a:ln>
+            <a:noFill/>
+          </a:ln>
+          <a:effectLst>
+            <a:outerShdw blurRad="76200" dist="38100" dir="7800000" algn="tl" rotWithShape="0">
+              <a:srgbClr val="000000">
+                <a:alpha val="40000"/>
+              </a:srgbClr>
+            </a:outerShdw>
+          </a:effectLst>
+          <a:scene3d>
+            <a:camera prst="orthographicFront"/>
+            <a:lightRig rig="contrasting" dir="t">
+              <a:rot lat="0" lon="0" rev="4200000"/>
+            </a:lightRig>
+          </a:scene3d>
+          <a:sp3d prstMaterial="plastic">
+            <a:bevelT w="381000" h="114300" prst="relaxedInset"/>
+            <a:contourClr>
+              <a:srgbClr val="969696"/>
+            </a:contourClr>
+          </a:sp3d>
+        </p:spPr>
+      </p:pic>
+      <p:pic>
+        <p:nvPicPr>
+          <p:cNvPr id="8" name="Picture 7">
+            <a:extLst>
+              <a:ext uri="{FF2B5EF4-FFF2-40B4-BE49-F238E27FC236}">
+                <a16:creationId xmlns:a16="http://schemas.microsoft.com/office/drawing/2014/main" id="{409B3054-1733-46D8-B94A-1914A3B0329A}"/>
+              </a:ext>
+            </a:extLst>
+          </p:cNvPr>
+          <p:cNvPicPr>
+            <a:picLocks noChangeAspect="1"/>
+          </p:cNvPicPr>
+          <p:nvPr/>
+        </p:nvPicPr>
+        <p:blipFill>
+          <a:blip r:embed="rId4" cstate="print">
+            <a:extLst>
+              <a:ext uri="{28A0092B-C50C-407E-A947-70E740481C1C}">
+                <a14:useLocalDpi xmlns:a14="http://schemas.microsoft.com/office/drawing/2010/main" val="0"/>
+              </a:ext>
+            </a:extLst>
+          </a:blip>
+          <a:stretch>
+            <a:fillRect/>
+          </a:stretch>
+        </p:blipFill>
+        <p:spPr>
+          <a:xfrm>
+            <a:off x="6805469" y="-136525"/>
+            <a:ext cx="5143500" cy="6858000"/>
+          </a:xfrm>
+          <a:prstGeom prst="ellipse">
             <a:avLst/>
           </a:prstGeom>
-          <a:noFill/>
-          <a:extLst>
-            <a:ext uri="{909E8E84-426E-40DD-AFC4-6F175D3DCCD1}">
-              <a14:hiddenFill xmlns:a14="http://schemas.microsoft.com/office/drawing/2010/main">
-                <a:solidFill>
-                  <a:srgbClr val="FFFFFF"/>
-                </a:solidFill>
-              </a14:hiddenFill>
-            </a:ext>
-          </a:extLst>
+          <a:ln>
+            <a:noFill/>
+          </a:ln>
+          <a:effectLst>
+            <a:softEdge rad="112500"/>
+          </a:effectLst>
         </p:spPr>
       </p:pic>
     </p:spTree>
@@ -4559,6 +4620,18 @@
           <a:prstGeom prst="rect">
             <a:avLst/>
           </a:prstGeom>
+          <a:ln w="228600" cap="sq" cmpd="thickThin">
+            <a:solidFill>
+              <a:srgbClr val="000000"/>
+            </a:solidFill>
+            <a:prstDash val="solid"/>
+            <a:miter lim="800000"/>
+          </a:ln>
+          <a:effectLst>
+            <a:innerShdw blurRad="76200">
+              <a:srgbClr val="000000"/>
+            </a:innerShdw>
+          </a:effectLst>
         </p:spPr>
       </p:pic>
       <p:pic>
@@ -4589,12 +4662,24 @@
         </p:blipFill>
         <p:spPr>
           <a:xfrm>
-            <a:off x="9352880" y="863058"/>
-            <a:ext cx="2460429" cy="4198313"/>
+            <a:off x="9352880" y="863059"/>
+            <a:ext cx="2460429" cy="4131812"/>
           </a:xfrm>
           <a:prstGeom prst="rect">
             <a:avLst/>
           </a:prstGeom>
+          <a:ln w="228600" cap="sq" cmpd="thickThin">
+            <a:solidFill>
+              <a:srgbClr val="000000"/>
+            </a:solidFill>
+            <a:prstDash val="solid"/>
+            <a:miter lim="800000"/>
+          </a:ln>
+          <a:effectLst>
+            <a:innerShdw blurRad="76200">
+              <a:srgbClr val="000000"/>
+            </a:innerShdw>
+          </a:effectLst>
         </p:spPr>
       </p:pic>
       <p:pic>
@@ -4625,12 +4710,24 @@
         </p:blipFill>
         <p:spPr>
           <a:xfrm>
-            <a:off x="3277981" y="905064"/>
-            <a:ext cx="2218117" cy="4120666"/>
+            <a:off x="3416526" y="905064"/>
+            <a:ext cx="2218117" cy="4089806"/>
           </a:xfrm>
           <a:prstGeom prst="rect">
             <a:avLst/>
           </a:prstGeom>
+          <a:ln w="228600" cap="sq" cmpd="thickThin">
+            <a:solidFill>
+              <a:srgbClr val="000000"/>
+            </a:solidFill>
+            <a:prstDash val="solid"/>
+            <a:miter lim="800000"/>
+          </a:ln>
+          <a:effectLst>
+            <a:innerShdw blurRad="76200">
+              <a:srgbClr val="000000"/>
+            </a:innerShdw>
+          </a:effectLst>
         </p:spPr>
       </p:pic>
       <p:pic>
@@ -4662,11 +4759,23 @@
         <p:spPr>
           <a:xfrm>
             <a:off x="6238378" y="863059"/>
-            <a:ext cx="2372222" cy="4131811"/>
+            <a:ext cx="2372222" cy="4131812"/>
           </a:xfrm>
           <a:prstGeom prst="rect">
             <a:avLst/>
           </a:prstGeom>
+          <a:ln w="228600" cap="sq" cmpd="thickThin">
+            <a:solidFill>
+              <a:srgbClr val="000000"/>
+            </a:solidFill>
+            <a:prstDash val="solid"/>
+            <a:miter lim="800000"/>
+          </a:ln>
+          <a:effectLst>
+            <a:innerShdw blurRad="76200">
+              <a:srgbClr val="000000"/>
+            </a:innerShdw>
+          </a:effectLst>
         </p:spPr>
       </p:pic>
     </p:spTree>
@@ -5221,6 +5330,575 @@
   <p:clrMapOvr>
     <a:masterClrMapping/>
   </p:clrMapOvr>
+  <p:timing>
+    <p:tnLst>
+      <p:par>
+        <p:cTn id="1" dur="indefinite" restart="never" nodeType="tmRoot">
+          <p:childTnLst>
+            <p:seq concurrent="1" nextAc="seek">
+              <p:cTn id="2" dur="indefinite" nodeType="mainSeq">
+                <p:childTnLst>
+                  <p:par>
+                    <p:cTn id="3" fill="hold">
+                      <p:stCondLst>
+                        <p:cond delay="indefinite"/>
+                      </p:stCondLst>
+                      <p:childTnLst>
+                        <p:par>
+                          <p:cTn id="4" fill="hold">
+                            <p:stCondLst>
+                              <p:cond delay="0"/>
+                            </p:stCondLst>
+                            <p:childTnLst>
+                              <p:par>
+                                <p:cTn id="5" presetID="42" presetClass="entr" presetSubtype="0" fill="hold" nodeType="clickEffect">
+                                  <p:stCondLst>
+                                    <p:cond delay="0"/>
+                                  </p:stCondLst>
+                                  <p:childTnLst>
+                                    <p:set>
+                                      <p:cBhvr>
+                                        <p:cTn id="6" dur="1" fill="hold">
+                                          <p:stCondLst>
+                                            <p:cond delay="0"/>
+                                          </p:stCondLst>
+                                        </p:cTn>
+                                        <p:tgtEl>
+                                          <p:spTgt spid="2">
+                                            <p:txEl>
+                                              <p:pRg st="1" end="1"/>
+                                            </p:txEl>
+                                          </p:spTgt>
+                                        </p:tgtEl>
+                                        <p:attrNameLst>
+                                          <p:attrName>style.visibility</p:attrName>
+                                        </p:attrNameLst>
+                                      </p:cBhvr>
+                                      <p:to>
+                                        <p:strVal val="visible"/>
+                                      </p:to>
+                                    </p:set>
+                                    <p:animEffect transition="in" filter="fade">
+                                      <p:cBhvr>
+                                        <p:cTn id="7" dur="1000"/>
+                                        <p:tgtEl>
+                                          <p:spTgt spid="2">
+                                            <p:txEl>
+                                              <p:pRg st="1" end="1"/>
+                                            </p:txEl>
+                                          </p:spTgt>
+                                        </p:tgtEl>
+                                      </p:cBhvr>
+                                    </p:animEffect>
+                                    <p:anim calcmode="lin" valueType="num">
+                                      <p:cBhvr>
+                                        <p:cTn id="8" dur="1000" fill="hold"/>
+                                        <p:tgtEl>
+                                          <p:spTgt spid="2">
+                                            <p:txEl>
+                                              <p:pRg st="1" end="1"/>
+                                            </p:txEl>
+                                          </p:spTgt>
+                                        </p:tgtEl>
+                                        <p:attrNameLst>
+                                          <p:attrName>ppt_x</p:attrName>
+                                        </p:attrNameLst>
+                                      </p:cBhvr>
+                                      <p:tavLst>
+                                        <p:tav tm="0">
+                                          <p:val>
+                                            <p:strVal val="#ppt_x"/>
+                                          </p:val>
+                                        </p:tav>
+                                        <p:tav tm="100000">
+                                          <p:val>
+                                            <p:strVal val="#ppt_x"/>
+                                          </p:val>
+                                        </p:tav>
+                                      </p:tavLst>
+                                    </p:anim>
+                                    <p:anim calcmode="lin" valueType="num">
+                                      <p:cBhvr>
+                                        <p:cTn id="9" dur="1000" fill="hold"/>
+                                        <p:tgtEl>
+                                          <p:spTgt spid="2">
+                                            <p:txEl>
+                                              <p:pRg st="1" end="1"/>
+                                            </p:txEl>
+                                          </p:spTgt>
+                                        </p:tgtEl>
+                                        <p:attrNameLst>
+                                          <p:attrName>ppt_y</p:attrName>
+                                        </p:attrNameLst>
+                                      </p:cBhvr>
+                                      <p:tavLst>
+                                        <p:tav tm="0">
+                                          <p:val>
+                                            <p:strVal val="#ppt_y+.1"/>
+                                          </p:val>
+                                        </p:tav>
+                                        <p:tav tm="100000">
+                                          <p:val>
+                                            <p:strVal val="#ppt_y"/>
+                                          </p:val>
+                                        </p:tav>
+                                      </p:tavLst>
+                                    </p:anim>
+                                  </p:childTnLst>
+                                </p:cTn>
+                              </p:par>
+                              <p:par>
+                                <p:cTn id="10" presetID="42" presetClass="entr" presetSubtype="0" fill="hold" nodeType="withEffect">
+                                  <p:stCondLst>
+                                    <p:cond delay="0"/>
+                                  </p:stCondLst>
+                                  <p:childTnLst>
+                                    <p:set>
+                                      <p:cBhvr>
+                                        <p:cTn id="11" dur="1" fill="hold">
+                                          <p:stCondLst>
+                                            <p:cond delay="0"/>
+                                          </p:stCondLst>
+                                        </p:cTn>
+                                        <p:tgtEl>
+                                          <p:spTgt spid="2">
+                                            <p:txEl>
+                                              <p:pRg st="2" end="2"/>
+                                            </p:txEl>
+                                          </p:spTgt>
+                                        </p:tgtEl>
+                                        <p:attrNameLst>
+                                          <p:attrName>style.visibility</p:attrName>
+                                        </p:attrNameLst>
+                                      </p:cBhvr>
+                                      <p:to>
+                                        <p:strVal val="visible"/>
+                                      </p:to>
+                                    </p:set>
+                                    <p:animEffect transition="in" filter="fade">
+                                      <p:cBhvr>
+                                        <p:cTn id="12" dur="1000"/>
+                                        <p:tgtEl>
+                                          <p:spTgt spid="2">
+                                            <p:txEl>
+                                              <p:pRg st="2" end="2"/>
+                                            </p:txEl>
+                                          </p:spTgt>
+                                        </p:tgtEl>
+                                      </p:cBhvr>
+                                    </p:animEffect>
+                                    <p:anim calcmode="lin" valueType="num">
+                                      <p:cBhvr>
+                                        <p:cTn id="13" dur="1000" fill="hold"/>
+                                        <p:tgtEl>
+                                          <p:spTgt spid="2">
+                                            <p:txEl>
+                                              <p:pRg st="2" end="2"/>
+                                            </p:txEl>
+                                          </p:spTgt>
+                                        </p:tgtEl>
+                                        <p:attrNameLst>
+                                          <p:attrName>ppt_x</p:attrName>
+                                        </p:attrNameLst>
+                                      </p:cBhvr>
+                                      <p:tavLst>
+                                        <p:tav tm="0">
+                                          <p:val>
+                                            <p:strVal val="#ppt_x"/>
+                                          </p:val>
+                                        </p:tav>
+                                        <p:tav tm="100000">
+                                          <p:val>
+                                            <p:strVal val="#ppt_x"/>
+                                          </p:val>
+                                        </p:tav>
+                                      </p:tavLst>
+                                    </p:anim>
+                                    <p:anim calcmode="lin" valueType="num">
+                                      <p:cBhvr>
+                                        <p:cTn id="14" dur="1000" fill="hold"/>
+                                        <p:tgtEl>
+                                          <p:spTgt spid="2">
+                                            <p:txEl>
+                                              <p:pRg st="2" end="2"/>
+                                            </p:txEl>
+                                          </p:spTgt>
+                                        </p:tgtEl>
+                                        <p:attrNameLst>
+                                          <p:attrName>ppt_y</p:attrName>
+                                        </p:attrNameLst>
+                                      </p:cBhvr>
+                                      <p:tavLst>
+                                        <p:tav tm="0">
+                                          <p:val>
+                                            <p:strVal val="#ppt_y+.1"/>
+                                          </p:val>
+                                        </p:tav>
+                                        <p:tav tm="100000">
+                                          <p:val>
+                                            <p:strVal val="#ppt_y"/>
+                                          </p:val>
+                                        </p:tav>
+                                      </p:tavLst>
+                                    </p:anim>
+                                  </p:childTnLst>
+                                </p:cTn>
+                              </p:par>
+                            </p:childTnLst>
+                          </p:cTn>
+                        </p:par>
+                      </p:childTnLst>
+                    </p:cTn>
+                  </p:par>
+                  <p:par>
+                    <p:cTn id="15" fill="hold">
+                      <p:stCondLst>
+                        <p:cond delay="indefinite"/>
+                      </p:stCondLst>
+                      <p:childTnLst>
+                        <p:par>
+                          <p:cTn id="16" fill="hold">
+                            <p:stCondLst>
+                              <p:cond delay="0"/>
+                            </p:stCondLst>
+                            <p:childTnLst>
+                              <p:par>
+                                <p:cTn id="17" presetID="42" presetClass="entr" presetSubtype="0" fill="hold" nodeType="clickEffect">
+                                  <p:stCondLst>
+                                    <p:cond delay="0"/>
+                                  </p:stCondLst>
+                                  <p:childTnLst>
+                                    <p:set>
+                                      <p:cBhvr>
+                                        <p:cTn id="18" dur="1" fill="hold">
+                                          <p:stCondLst>
+                                            <p:cond delay="0"/>
+                                          </p:stCondLst>
+                                        </p:cTn>
+                                        <p:tgtEl>
+                                          <p:spTgt spid="2">
+                                            <p:txEl>
+                                              <p:pRg st="4" end="4"/>
+                                            </p:txEl>
+                                          </p:spTgt>
+                                        </p:tgtEl>
+                                        <p:attrNameLst>
+                                          <p:attrName>style.visibility</p:attrName>
+                                        </p:attrNameLst>
+                                      </p:cBhvr>
+                                      <p:to>
+                                        <p:strVal val="visible"/>
+                                      </p:to>
+                                    </p:set>
+                                    <p:animEffect transition="in" filter="fade">
+                                      <p:cBhvr>
+                                        <p:cTn id="19" dur="1000"/>
+                                        <p:tgtEl>
+                                          <p:spTgt spid="2">
+                                            <p:txEl>
+                                              <p:pRg st="4" end="4"/>
+                                            </p:txEl>
+                                          </p:spTgt>
+                                        </p:tgtEl>
+                                      </p:cBhvr>
+                                    </p:animEffect>
+                                    <p:anim calcmode="lin" valueType="num">
+                                      <p:cBhvr>
+                                        <p:cTn id="20" dur="1000" fill="hold"/>
+                                        <p:tgtEl>
+                                          <p:spTgt spid="2">
+                                            <p:txEl>
+                                              <p:pRg st="4" end="4"/>
+                                            </p:txEl>
+                                          </p:spTgt>
+                                        </p:tgtEl>
+                                        <p:attrNameLst>
+                                          <p:attrName>ppt_x</p:attrName>
+                                        </p:attrNameLst>
+                                      </p:cBhvr>
+                                      <p:tavLst>
+                                        <p:tav tm="0">
+                                          <p:val>
+                                            <p:strVal val="#ppt_x"/>
+                                          </p:val>
+                                        </p:tav>
+                                        <p:tav tm="100000">
+                                          <p:val>
+                                            <p:strVal val="#ppt_x"/>
+                                          </p:val>
+                                        </p:tav>
+                                      </p:tavLst>
+                                    </p:anim>
+                                    <p:anim calcmode="lin" valueType="num">
+                                      <p:cBhvr>
+                                        <p:cTn id="21" dur="1000" fill="hold"/>
+                                        <p:tgtEl>
+                                          <p:spTgt spid="2">
+                                            <p:txEl>
+                                              <p:pRg st="4" end="4"/>
+                                            </p:txEl>
+                                          </p:spTgt>
+                                        </p:tgtEl>
+                                        <p:attrNameLst>
+                                          <p:attrName>ppt_y</p:attrName>
+                                        </p:attrNameLst>
+                                      </p:cBhvr>
+                                      <p:tavLst>
+                                        <p:tav tm="0">
+                                          <p:val>
+                                            <p:strVal val="#ppt_y+.1"/>
+                                          </p:val>
+                                        </p:tav>
+                                        <p:tav tm="100000">
+                                          <p:val>
+                                            <p:strVal val="#ppt_y"/>
+                                          </p:val>
+                                        </p:tav>
+                                      </p:tavLst>
+                                    </p:anim>
+                                  </p:childTnLst>
+                                </p:cTn>
+                              </p:par>
+                            </p:childTnLst>
+                          </p:cTn>
+                        </p:par>
+                      </p:childTnLst>
+                    </p:cTn>
+                  </p:par>
+                  <p:par>
+                    <p:cTn id="22" fill="hold">
+                      <p:stCondLst>
+                        <p:cond delay="indefinite"/>
+                      </p:stCondLst>
+                      <p:childTnLst>
+                        <p:par>
+                          <p:cTn id="23" fill="hold">
+                            <p:stCondLst>
+                              <p:cond delay="0"/>
+                            </p:stCondLst>
+                            <p:childTnLst>
+                              <p:par>
+                                <p:cTn id="24" presetID="42" presetClass="entr" presetSubtype="0" fill="hold" nodeType="clickEffect">
+                                  <p:stCondLst>
+                                    <p:cond delay="0"/>
+                                  </p:stCondLst>
+                                  <p:childTnLst>
+                                    <p:set>
+                                      <p:cBhvr>
+                                        <p:cTn id="25" dur="1" fill="hold">
+                                          <p:stCondLst>
+                                            <p:cond delay="0"/>
+                                          </p:stCondLst>
+                                        </p:cTn>
+                                        <p:tgtEl>
+                                          <p:spTgt spid="2">
+                                            <p:txEl>
+                                              <p:pRg st="6" end="6"/>
+                                            </p:txEl>
+                                          </p:spTgt>
+                                        </p:tgtEl>
+                                        <p:attrNameLst>
+                                          <p:attrName>style.visibility</p:attrName>
+                                        </p:attrNameLst>
+                                      </p:cBhvr>
+                                      <p:to>
+                                        <p:strVal val="visible"/>
+                                      </p:to>
+                                    </p:set>
+                                    <p:animEffect transition="in" filter="fade">
+                                      <p:cBhvr>
+                                        <p:cTn id="26" dur="1000"/>
+                                        <p:tgtEl>
+                                          <p:spTgt spid="2">
+                                            <p:txEl>
+                                              <p:pRg st="6" end="6"/>
+                                            </p:txEl>
+                                          </p:spTgt>
+                                        </p:tgtEl>
+                                      </p:cBhvr>
+                                    </p:animEffect>
+                                    <p:anim calcmode="lin" valueType="num">
+                                      <p:cBhvr>
+                                        <p:cTn id="27" dur="1000" fill="hold"/>
+                                        <p:tgtEl>
+                                          <p:spTgt spid="2">
+                                            <p:txEl>
+                                              <p:pRg st="6" end="6"/>
+                                            </p:txEl>
+                                          </p:spTgt>
+                                        </p:tgtEl>
+                                        <p:attrNameLst>
+                                          <p:attrName>ppt_x</p:attrName>
+                                        </p:attrNameLst>
+                                      </p:cBhvr>
+                                      <p:tavLst>
+                                        <p:tav tm="0">
+                                          <p:val>
+                                            <p:strVal val="#ppt_x"/>
+                                          </p:val>
+                                        </p:tav>
+                                        <p:tav tm="100000">
+                                          <p:val>
+                                            <p:strVal val="#ppt_x"/>
+                                          </p:val>
+                                        </p:tav>
+                                      </p:tavLst>
+                                    </p:anim>
+                                    <p:anim calcmode="lin" valueType="num">
+                                      <p:cBhvr>
+                                        <p:cTn id="28" dur="1000" fill="hold"/>
+                                        <p:tgtEl>
+                                          <p:spTgt spid="2">
+                                            <p:txEl>
+                                              <p:pRg st="6" end="6"/>
+                                            </p:txEl>
+                                          </p:spTgt>
+                                        </p:tgtEl>
+                                        <p:attrNameLst>
+                                          <p:attrName>ppt_y</p:attrName>
+                                        </p:attrNameLst>
+                                      </p:cBhvr>
+                                      <p:tavLst>
+                                        <p:tav tm="0">
+                                          <p:val>
+                                            <p:strVal val="#ppt_y+.1"/>
+                                          </p:val>
+                                        </p:tav>
+                                        <p:tav tm="100000">
+                                          <p:val>
+                                            <p:strVal val="#ppt_y"/>
+                                          </p:val>
+                                        </p:tav>
+                                      </p:tavLst>
+                                    </p:anim>
+                                  </p:childTnLst>
+                                </p:cTn>
+                              </p:par>
+                              <p:par>
+                                <p:cTn id="29" presetID="42" presetClass="entr" presetSubtype="0" fill="hold" nodeType="withEffect">
+                                  <p:stCondLst>
+                                    <p:cond delay="0"/>
+                                  </p:stCondLst>
+                                  <p:childTnLst>
+                                    <p:set>
+                                      <p:cBhvr>
+                                        <p:cTn id="30" dur="1" fill="hold">
+                                          <p:stCondLst>
+                                            <p:cond delay="0"/>
+                                          </p:stCondLst>
+                                        </p:cTn>
+                                        <p:tgtEl>
+                                          <p:spTgt spid="2">
+                                            <p:txEl>
+                                              <p:pRg st="7" end="7"/>
+                                            </p:txEl>
+                                          </p:spTgt>
+                                        </p:tgtEl>
+                                        <p:attrNameLst>
+                                          <p:attrName>style.visibility</p:attrName>
+                                        </p:attrNameLst>
+                                      </p:cBhvr>
+                                      <p:to>
+                                        <p:strVal val="visible"/>
+                                      </p:to>
+                                    </p:set>
+                                    <p:animEffect transition="in" filter="fade">
+                                      <p:cBhvr>
+                                        <p:cTn id="31" dur="1000"/>
+                                        <p:tgtEl>
+                                          <p:spTgt spid="2">
+                                            <p:txEl>
+                                              <p:pRg st="7" end="7"/>
+                                            </p:txEl>
+                                          </p:spTgt>
+                                        </p:tgtEl>
+                                      </p:cBhvr>
+                                    </p:animEffect>
+                                    <p:anim calcmode="lin" valueType="num">
+                                      <p:cBhvr>
+                                        <p:cTn id="32" dur="1000" fill="hold"/>
+                                        <p:tgtEl>
+                                          <p:spTgt spid="2">
+                                            <p:txEl>
+                                              <p:pRg st="7" end="7"/>
+                                            </p:txEl>
+                                          </p:spTgt>
+                                        </p:tgtEl>
+                                        <p:attrNameLst>
+                                          <p:attrName>ppt_x</p:attrName>
+                                        </p:attrNameLst>
+                                      </p:cBhvr>
+                                      <p:tavLst>
+                                        <p:tav tm="0">
+                                          <p:val>
+                                            <p:strVal val="#ppt_x"/>
+                                          </p:val>
+                                        </p:tav>
+                                        <p:tav tm="100000">
+                                          <p:val>
+                                            <p:strVal val="#ppt_x"/>
+                                          </p:val>
+                                        </p:tav>
+                                      </p:tavLst>
+                                    </p:anim>
+                                    <p:anim calcmode="lin" valueType="num">
+                                      <p:cBhvr>
+                                        <p:cTn id="33" dur="1000" fill="hold"/>
+                                        <p:tgtEl>
+                                          <p:spTgt spid="2">
+                                            <p:txEl>
+                                              <p:pRg st="7" end="7"/>
+                                            </p:txEl>
+                                          </p:spTgt>
+                                        </p:tgtEl>
+                                        <p:attrNameLst>
+                                          <p:attrName>ppt_y</p:attrName>
+                                        </p:attrNameLst>
+                                      </p:cBhvr>
+                                      <p:tavLst>
+                                        <p:tav tm="0">
+                                          <p:val>
+                                            <p:strVal val="#ppt_y+.1"/>
+                                          </p:val>
+                                        </p:tav>
+                                        <p:tav tm="100000">
+                                          <p:val>
+                                            <p:strVal val="#ppt_y"/>
+                                          </p:val>
+                                        </p:tav>
+                                      </p:tavLst>
+                                    </p:anim>
+                                  </p:childTnLst>
+                                </p:cTn>
+                              </p:par>
+                            </p:childTnLst>
+                          </p:cTn>
+                        </p:par>
+                      </p:childTnLst>
+                    </p:cTn>
+                  </p:par>
+                </p:childTnLst>
+              </p:cTn>
+              <p:prevCondLst>
+                <p:cond evt="onPrev" delay="0">
+                  <p:tgtEl>
+                    <p:sldTgt/>
+                  </p:tgtEl>
+                </p:cond>
+              </p:prevCondLst>
+              <p:nextCondLst>
+                <p:cond evt="onNext" delay="0">
+                  <p:tgtEl>
+                    <p:sldTgt/>
+                  </p:tgtEl>
+                </p:cond>
+              </p:nextCondLst>
+            </p:seq>
+          </p:childTnLst>
+        </p:cTn>
+      </p:par>
+    </p:tnLst>
+  </p:timing>
 </p:sld>
 </file>
 
